--- a/git-Eclipse/WebContent/台壽CMS通路組專案簡介.pptx
+++ b/git-Eclipse/WebContent/台壽CMS通路組專案簡介.pptx
@@ -9127,11 +9127,7 @@
             </a:r>
             <a:r>
               <a:rPr lang="zh-TW" altLang="en-US" dirty="0" smtClean="0"/>
-              <a:t>筆資料，</a:t>
-            </a:r>
-            <a:r>
-              <a:rPr lang="zh-TW" altLang="en-US" dirty="0" smtClean="0"/>
-              <a:t>與</a:t>
+              <a:t>筆資料，與</a:t>
             </a:r>
             <a:r>
               <a:rPr lang="en-US" altLang="zh-TW" dirty="0" smtClean="0"/>
@@ -10024,12 +10020,16 @@
               <a:t>新增一個</a:t>
             </a:r>
             <a:r>
-              <a:rPr lang="en-US" altLang="zh-TW" dirty="0" err="1" smtClean="0"/>
-              <a:t>introduction.jsp</a:t>
-            </a:r>
-            <a:r>
-              <a:rPr lang="zh-TW" altLang="en-US" dirty="0" smtClean="0"/>
-              <a:t>，並輸入以下內容，格式不限</a:t>
+              <a:rPr lang="en-US" altLang="zh-TW" dirty="0" smtClean="0"/>
+              <a:t>introduction.html</a:t>
+            </a:r>
+            <a:r>
+              <a:rPr lang="zh-TW" altLang="en-US" dirty="0" smtClean="0"/>
+              <a:t>，</a:t>
+            </a:r>
+            <a:r>
+              <a:rPr lang="zh-TW" altLang="en-US" dirty="0" smtClean="0"/>
+              <a:t>並輸入以下內容，格式不限</a:t>
             </a:r>
             <a:endParaRPr lang="en-US" altLang="zh-TW" dirty="0" smtClean="0"/>
           </a:p>
@@ -10099,12 +10099,8 @@
               <a:t>將</a:t>
             </a:r>
             <a:r>
-              <a:rPr lang="en-US" altLang="zh-TW" dirty="0" err="1" smtClean="0"/>
-              <a:t>introduction.jsp</a:t>
-            </a:r>
-            <a:r>
-              <a:rPr lang="en-US" altLang="zh-TW" dirty="0" smtClean="0"/>
-              <a:t> </a:t>
+              <a:rPr lang="en-US" altLang="zh-TW" dirty="0" smtClean="0"/>
+              <a:t>introduction.html </a:t>
             </a:r>
             <a:r>
               <a:rPr lang="zh-TW" altLang="en-US" dirty="0"/>

--- a/git-Eclipse/WebContent/台壽CMS通路組專案簡介.pptx
+++ b/git-Eclipse/WebContent/台壽CMS通路組專案簡介.pptx
@@ -9027,174 +9027,162 @@
             <a:spLocks noGrp="1"/>
           </p:cNvSpPr>
           <p:nvPr>
-            <p:ph idx="1"/>
-          </p:nvPr>
-        </p:nvSpPr>
-        <p:spPr/>
-        <p:txBody>
-          <a:bodyPr/>
+            <p:ph sz="half" idx="1"/>
+          </p:nvPr>
+        </p:nvSpPr>
+        <p:spPr/>
+        <p:txBody>
+          <a:bodyPr>
+            <a:normAutofit/>
+          </a:bodyPr>
           <a:lstStyle/>
           <a:p>
             <a:r>
               <a:rPr lang="en-US" altLang="zh-TW" u="sng" dirty="0"/>
-              <a:t>https://livesql.oracle.com</a:t>
-            </a:r>
-            <a:endParaRPr lang="en-US" altLang="zh-TW" dirty="0">
-              <a:hlinkClick r:id="rId2"/>
-            </a:endParaRPr>
-          </a:p>
-          <a:p>
-            <a:r>
-              <a:rPr lang="zh-TW" altLang="en-US" dirty="0" smtClean="0"/>
-              <a:t>請用</a:t>
-            </a:r>
-            <a:r>
-              <a:rPr lang="en-US" altLang="zh-TW" dirty="0" smtClean="0"/>
-              <a:t>Live SQL </a:t>
-            </a:r>
-            <a:r>
-              <a:rPr lang="zh-TW" altLang="en-US" dirty="0" smtClean="0"/>
-              <a:t>建立以下表格並建立假資料</a:t>
-            </a:r>
-            <a:endParaRPr lang="en-US" altLang="zh-TW" dirty="0" smtClean="0"/>
-          </a:p>
-          <a:p>
-            <a:r>
-              <a:rPr lang="en-US" altLang="zh-TW" dirty="0" smtClean="0"/>
-              <a:t>CUSTOMER - </a:t>
-            </a:r>
-            <a:r>
-              <a:rPr lang="zh-TW" altLang="en-US" dirty="0" smtClean="0"/>
-              <a:t>建立</a:t>
-            </a:r>
-            <a:r>
-              <a:rPr lang="en-US" altLang="zh-TW" dirty="0" smtClean="0"/>
-              <a:t>3</a:t>
-            </a:r>
-            <a:r>
-              <a:rPr lang="zh-TW" altLang="en-US" dirty="0" smtClean="0"/>
-              <a:t>筆資料</a:t>
-            </a:r>
-            <a:endParaRPr lang="en-US" altLang="zh-TW" dirty="0" smtClean="0"/>
-          </a:p>
-          <a:p>
-            <a:r>
-              <a:rPr lang="en-US" altLang="zh-TW" dirty="0" smtClean="0"/>
-              <a:t>ORDERS</a:t>
-            </a:r>
-            <a:r>
-              <a:rPr lang="zh-TW" altLang="en-US" dirty="0" smtClean="0"/>
-              <a:t> </a:t>
-            </a:r>
-            <a:r>
-              <a:rPr lang="en-US" altLang="zh-TW" dirty="0" smtClean="0"/>
-              <a:t>– </a:t>
-            </a:r>
-            <a:r>
-              <a:rPr lang="zh-TW" altLang="en-US" dirty="0" smtClean="0"/>
-              <a:t>建立</a:t>
-            </a:r>
-            <a:r>
-              <a:rPr lang="en-US" altLang="zh-TW" dirty="0" smtClean="0"/>
-              <a:t>4</a:t>
-            </a:r>
-            <a:r>
-              <a:rPr lang="zh-TW" altLang="en-US" dirty="0" smtClean="0"/>
-              <a:t>筆資料，與</a:t>
-            </a:r>
-            <a:r>
-              <a:rPr lang="en-US" altLang="zh-TW" dirty="0" smtClean="0"/>
-              <a:t>CUSTOMER</a:t>
-            </a:r>
-            <a:r>
-              <a:rPr lang="zh-TW" altLang="en-US" dirty="0" smtClean="0"/>
-              <a:t>其中兩筆關聯</a:t>
-            </a:r>
-            <a:endParaRPr lang="en-US" altLang="zh-TW" dirty="0" smtClean="0"/>
-          </a:p>
-          <a:p>
-            <a:r>
-              <a:rPr lang="en-US" altLang="zh-TW" dirty="0" smtClean="0"/>
-              <a:t>PRODUCTS – </a:t>
-            </a:r>
-            <a:r>
-              <a:rPr lang="zh-TW" altLang="en-US" dirty="0" smtClean="0"/>
-              <a:t>建立</a:t>
-            </a:r>
-            <a:r>
-              <a:rPr lang="en-US" altLang="zh-TW" dirty="0" smtClean="0"/>
-              <a:t>6</a:t>
-            </a:r>
-            <a:r>
-              <a:rPr lang="zh-TW" altLang="en-US" dirty="0" smtClean="0"/>
-              <a:t>筆資料，與</a:t>
-            </a:r>
-            <a:r>
-              <a:rPr lang="en-US" altLang="zh-TW" dirty="0" smtClean="0"/>
-              <a:t>ORDERS</a:t>
-            </a:r>
-            <a:r>
-              <a:rPr lang="zh-TW" altLang="en-US" dirty="0" smtClean="0"/>
-              <a:t>關聯，其中</a:t>
-            </a:r>
-            <a:r>
-              <a:rPr lang="en-US" altLang="zh-TW" dirty="0" smtClean="0"/>
-              <a:t>2</a:t>
-            </a:r>
-            <a:r>
-              <a:rPr lang="zh-TW" altLang="en-US" dirty="0" smtClean="0"/>
-              <a:t>筆</a:t>
-            </a:r>
-            <a:r>
-              <a:rPr lang="en-US" altLang="zh-TW" dirty="0" smtClean="0"/>
-              <a:t>ORDERS</a:t>
-            </a:r>
-            <a:r>
-              <a:rPr lang="zh-TW" altLang="en-US" dirty="0" smtClean="0"/>
-              <a:t>有</a:t>
-            </a:r>
-            <a:r>
-              <a:rPr lang="en-US" altLang="zh-TW" dirty="0" smtClean="0"/>
-              <a:t>2</a:t>
-            </a:r>
-            <a:r>
-              <a:rPr lang="zh-TW" altLang="en-US" dirty="0" smtClean="0"/>
-              <a:t>筆</a:t>
-            </a:r>
-            <a:r>
-              <a:rPr lang="en-US" altLang="zh-TW" dirty="0" smtClean="0"/>
-              <a:t>PRODUCTS</a:t>
-            </a:r>
-            <a:r>
-              <a:rPr lang="zh-TW" altLang="en-US" dirty="0" smtClean="0"/>
-              <a:t>，</a:t>
-            </a:r>
-            <a:endParaRPr lang="en-US" altLang="zh-TW" dirty="0" smtClean="0"/>
-          </a:p>
-          <a:p>
-            <a:r>
-              <a:rPr lang="zh-TW" altLang="en-US" dirty="0" smtClean="0"/>
-              <a:t>另外</a:t>
-            </a:r>
-            <a:r>
-              <a:rPr lang="en-US" altLang="zh-TW" dirty="0" smtClean="0"/>
-              <a:t>2</a:t>
-            </a:r>
-            <a:r>
-              <a:rPr lang="zh-TW" altLang="en-US" dirty="0" smtClean="0"/>
-              <a:t>筆各有</a:t>
-            </a:r>
-            <a:r>
-              <a:rPr lang="en-US" altLang="zh-TW" dirty="0" smtClean="0"/>
-              <a:t>1</a:t>
-            </a:r>
-            <a:r>
-              <a:rPr lang="zh-TW" altLang="en-US" dirty="0" smtClean="0"/>
-              <a:t>筆</a:t>
-            </a:r>
-            <a:r>
-              <a:rPr lang="en-US" altLang="zh-TW" dirty="0" smtClean="0"/>
-              <a:t>PRODUCTS</a:t>
+              <a:t>https://</a:t>
+            </a:r>
+            <a:r>
+              <a:rPr lang="en-US" altLang="zh-TW" u="sng" dirty="0" smtClean="0"/>
+              <a:t>livesql.oracle.com</a:t>
+            </a:r>
+          </a:p>
+          <a:p>
+            <a:r>
+              <a:rPr lang="en-US" altLang="zh-TW" dirty="0" smtClean="0"/>
+              <a:t>Dual - </a:t>
+            </a:r>
+            <a:r>
+              <a:rPr lang="en-US" altLang="zh-TW" dirty="0"/>
+              <a:t>DUAL</a:t>
+            </a:r>
+            <a:r>
+              <a:rPr lang="zh-TW" altLang="en-US" dirty="0"/>
+              <a:t>虛擬</a:t>
+            </a:r>
+            <a:r>
+              <a:rPr lang="zh-TW" altLang="en-US" dirty="0" smtClean="0"/>
+              <a:t>表</a:t>
+            </a:r>
+            <a:endParaRPr lang="en-US" altLang="zh-TW" dirty="0" smtClean="0"/>
+          </a:p>
+          <a:p>
+            <a:r>
+              <a:rPr lang="en-US" altLang="zh-TW" dirty="0" smtClean="0"/>
+              <a:t>DISTINCT – </a:t>
+            </a:r>
+            <a:r>
+              <a:rPr lang="zh-TW" altLang="en-US" dirty="0" smtClean="0"/>
+              <a:t>去除重複</a:t>
+            </a:r>
+            <a:endParaRPr lang="en-US" altLang="zh-TW" dirty="0" smtClean="0"/>
+          </a:p>
+          <a:p>
+            <a:r>
+              <a:rPr lang="en-US" altLang="zh-TW" dirty="0" smtClean="0"/>
+              <a:t>Count() – </a:t>
+            </a:r>
+            <a:r>
+              <a:rPr lang="zh-TW" altLang="en-US" dirty="0" smtClean="0"/>
+              <a:t>累計比數</a:t>
+            </a:r>
+            <a:endParaRPr lang="en-US" altLang="zh-TW" dirty="0" smtClean="0"/>
+          </a:p>
+          <a:p>
+            <a:r>
+              <a:rPr lang="en-US" altLang="zh-TW" dirty="0" smtClean="0"/>
+              <a:t>IN – </a:t>
+            </a:r>
+            <a:r>
+              <a:rPr lang="zh-TW" altLang="en-US" dirty="0" smtClean="0"/>
+              <a:t>帶入</a:t>
+            </a:r>
+            <a:endParaRPr lang="en-US" altLang="zh-TW" dirty="0" smtClean="0"/>
+          </a:p>
+          <a:p>
+            <a:r>
+              <a:rPr lang="en-US" altLang="zh-TW" dirty="0" smtClean="0"/>
+              <a:t>SUM()-</a:t>
+            </a:r>
+            <a:r>
+              <a:rPr lang="zh-TW" altLang="en-US" dirty="0" smtClean="0"/>
+              <a:t>加總</a:t>
+            </a:r>
+            <a:endParaRPr lang="en-US" altLang="zh-TW" dirty="0" smtClean="0"/>
+          </a:p>
+          <a:p>
+            <a:r>
+              <a:rPr lang="en-US" altLang="zh-TW" dirty="0" smtClean="0"/>
+              <a:t>Subquery-</a:t>
+            </a:r>
+            <a:r>
+              <a:rPr lang="zh-TW" altLang="en-US" dirty="0" smtClean="0"/>
+              <a:t>子查詢</a:t>
+            </a:r>
+            <a:endParaRPr lang="en-US" altLang="zh-TW" dirty="0" smtClean="0"/>
+          </a:p>
+          <a:p>
+            <a:endParaRPr lang="en-US" altLang="zh-TW" dirty="0" smtClean="0"/>
+          </a:p>
+          <a:p>
+            <a:endParaRPr lang="en-US" altLang="zh-TW" dirty="0" smtClean="0"/>
+          </a:p>
+        </p:txBody>
+      </p:sp>
+      <p:sp>
+        <p:nvSpPr>
+          <p:cNvPr id="2" name="內容版面配置區 1"/>
+          <p:cNvSpPr>
+            <a:spLocks noGrp="1"/>
+          </p:cNvSpPr>
+          <p:nvPr>
+            <p:ph sz="half" idx="2"/>
+          </p:nvPr>
+        </p:nvSpPr>
+        <p:spPr/>
+        <p:txBody>
+          <a:bodyPr>
+            <a:normAutofit/>
+          </a:bodyPr>
+          <a:lstStyle/>
+          <a:p>
+            <a:r>
+              <a:rPr lang="en-US" altLang="zh-TW" dirty="0"/>
+              <a:t>Exist()-</a:t>
+            </a:r>
+            <a:r>
+              <a:rPr lang="zh-TW" altLang="en-US" dirty="0"/>
+              <a:t>存在</a:t>
+            </a:r>
+            <a:endParaRPr lang="en-US" altLang="zh-TW" dirty="0"/>
+          </a:p>
+          <a:p>
+            <a:r>
+              <a:rPr lang="en-US" altLang="zh-TW" dirty="0"/>
+              <a:t>CASE -</a:t>
+            </a:r>
+            <a:r>
+              <a:rPr lang="zh-TW" altLang="en-US" dirty="0"/>
+              <a:t>判斷</a:t>
+            </a:r>
+            <a:endParaRPr lang="en-US" altLang="zh-TW" dirty="0"/>
+          </a:p>
+          <a:p>
+            <a:r>
+              <a:rPr lang="en-US" altLang="zh-TW" dirty="0"/>
+              <a:t>decode</a:t>
+            </a:r>
+          </a:p>
+          <a:p>
+            <a:r>
+              <a:rPr lang="en-US" altLang="zh-TW" dirty="0" err="1" smtClean="0"/>
+              <a:t>To_date</a:t>
+            </a:r>
+            <a:endParaRPr lang="en-US" altLang="zh-TW" dirty="0" smtClean="0"/>
+          </a:p>
+          <a:p>
+            <a:r>
+              <a:rPr lang="en-US" altLang="zh-TW" dirty="0" err="1" smtClean="0"/>
+              <a:t>To_char</a:t>
             </a:r>
             <a:endParaRPr lang="zh-TW" altLang="en-US" dirty="0"/>
           </a:p>
@@ -10130,40 +10118,6 @@
           </a:p>
         </p:txBody>
       </p:sp>
-      <p:sp>
-        <p:nvSpPr>
-          <p:cNvPr id="2" name="內容版面配置區 1"/>
-          <p:cNvSpPr>
-            <a:spLocks noGrp="1"/>
-          </p:cNvSpPr>
-          <p:nvPr>
-            <p:ph sz="half" idx="4294967295"/>
-          </p:nvPr>
-        </p:nvSpPr>
-        <p:spPr>
-          <a:xfrm>
-            <a:off x="7254875" y="1846263"/>
-            <a:ext cx="4937125" cy="4022725"/>
-          </a:xfrm>
-        </p:spPr>
-        <p:txBody>
-          <a:bodyPr>
-            <a:normAutofit/>
-          </a:bodyPr>
-          <a:lstStyle/>
-          <a:p>
-            <a:pPr lvl="1"/>
-            <a:endParaRPr lang="en-US" altLang="zh-TW" dirty="0"/>
-          </a:p>
-          <a:p>
-            <a:pPr lvl="1"/>
-            <a:endParaRPr lang="en-US" altLang="zh-TW" dirty="0" smtClean="0"/>
-          </a:p>
-          <a:p>
-            <a:endParaRPr lang="zh-TW" altLang="en-US" dirty="0"/>
-          </a:p>
-        </p:txBody>
-      </p:sp>
     </p:spTree>
     <p:extLst>
       <p:ext uri="{BB962C8B-B14F-4D97-AF65-F5344CB8AC3E}">
@@ -10229,183 +10183,50 @@
         <p:spPr/>
         <p:txBody>
           <a:bodyPr>
-            <a:normAutofit fontScale="92500" lnSpcReduction="10000"/>
+            <a:normAutofit/>
           </a:bodyPr>
           <a:lstStyle/>
           <a:p>
             <a:r>
+              <a:rPr lang="zh-TW" altLang="en-US" dirty="0" smtClean="0"/>
+              <a:t>請用兩張</a:t>
+            </a:r>
+            <a:r>
+              <a:rPr lang="en-US" altLang="zh-TW" dirty="0" smtClean="0"/>
+              <a:t>table SCOTT.EMP</a:t>
+            </a:r>
+            <a:r>
               <a:rPr lang="en-US" altLang="zh-TW" dirty="0"/>
-              <a:t>1.</a:t>
+              <a:t>, </a:t>
+            </a:r>
+            <a:r>
+              <a:rPr lang="en-US" altLang="zh-TW" dirty="0" smtClean="0"/>
+              <a:t>SCOTT.DEPT</a:t>
+            </a:r>
+            <a:r>
+              <a:rPr lang="zh-TW" altLang="en-US" dirty="0" smtClean="0"/>
+              <a:t>完成以下需求</a:t>
+            </a:r>
+            <a:endParaRPr lang="en-US" altLang="zh-TW" dirty="0"/>
+          </a:p>
+          <a:p>
+            <a:r>
+              <a:rPr lang="en-US" altLang="zh-TW" dirty="0" smtClean="0"/>
+              <a:t>--</a:t>
             </a:r>
             <a:r>
               <a:rPr lang="zh-TW" altLang="en-US" dirty="0"/>
-              <a:t>建立下面三個表格</a:t>
+              <a:t>查詢目前有的職位</a:t>
             </a:r>
           </a:p>
           <a:p>
             <a:r>
               <a:rPr lang="en-US" altLang="zh-TW" dirty="0"/>
-              <a:t>2.</a:t>
+              <a:t>--</a:t>
             </a:r>
             <a:r>
               <a:rPr lang="zh-TW" altLang="en-US" dirty="0"/>
-              <a:t>依下面需求建立假資料</a:t>
-            </a:r>
-          </a:p>
-          <a:p>
-            <a:pPr lvl="1"/>
-            <a:r>
-              <a:rPr lang="en-US" altLang="zh-TW" dirty="0"/>
-              <a:t>2.1</a:t>
-            </a:r>
-            <a:r>
-              <a:rPr lang="zh-TW" altLang="en-US" dirty="0"/>
-              <a:t>建立</a:t>
-            </a:r>
-            <a:r>
-              <a:rPr lang="en-US" altLang="zh-TW" dirty="0"/>
-              <a:t>3</a:t>
-            </a:r>
-            <a:r>
-              <a:rPr lang="zh-TW" altLang="en-US" dirty="0"/>
-              <a:t>筆 </a:t>
-            </a:r>
-            <a:r>
-              <a:rPr lang="en-US" altLang="zh-TW" dirty="0"/>
-              <a:t>customer</a:t>
-            </a:r>
-            <a:r>
-              <a:rPr lang="zh-TW" altLang="en-US" dirty="0"/>
-              <a:t>資料</a:t>
-            </a:r>
-          </a:p>
-          <a:p>
-            <a:pPr lvl="1"/>
-            <a:r>
-              <a:rPr lang="en-US" altLang="zh-TW" dirty="0"/>
-              <a:t>2.2</a:t>
-            </a:r>
-            <a:r>
-              <a:rPr lang="zh-TW" altLang="en-US" dirty="0"/>
-              <a:t>建立</a:t>
-            </a:r>
-            <a:r>
-              <a:rPr lang="en-US" altLang="zh-TW" dirty="0"/>
-              <a:t>4</a:t>
-            </a:r>
-            <a:r>
-              <a:rPr lang="zh-TW" altLang="en-US" dirty="0"/>
-              <a:t>筆 </a:t>
-            </a:r>
-            <a:r>
-              <a:rPr lang="en-US" altLang="zh-TW" dirty="0"/>
-              <a:t>orders</a:t>
-            </a:r>
-            <a:r>
-              <a:rPr lang="zh-TW" altLang="en-US" dirty="0"/>
-              <a:t>資料，其中兩筆資料對到一個</a:t>
-            </a:r>
-            <a:r>
-              <a:rPr lang="en-US" altLang="zh-TW" dirty="0"/>
-              <a:t>customer</a:t>
-            </a:r>
-          </a:p>
-          <a:p>
-            <a:pPr lvl="1"/>
-            <a:r>
-              <a:rPr lang="en-US" altLang="zh-TW" dirty="0"/>
-              <a:t>2.3</a:t>
-            </a:r>
-            <a:r>
-              <a:rPr lang="zh-TW" altLang="en-US" dirty="0"/>
-              <a:t>建立</a:t>
-            </a:r>
-            <a:r>
-              <a:rPr lang="en-US" altLang="zh-TW" dirty="0"/>
-              <a:t>6</a:t>
-            </a:r>
-            <a:r>
-              <a:rPr lang="zh-TW" altLang="en-US" dirty="0"/>
-              <a:t>筆 </a:t>
-            </a:r>
-            <a:r>
-              <a:rPr lang="en-US" altLang="zh-TW" dirty="0"/>
-              <a:t>product</a:t>
-            </a:r>
-            <a:r>
-              <a:rPr lang="zh-TW" altLang="en-US" dirty="0"/>
-              <a:t>資料，資料分配</a:t>
-            </a:r>
-            <a:r>
-              <a:rPr lang="en-US" altLang="zh-TW" dirty="0"/>
-              <a:t>2:2:1:1 </a:t>
-            </a:r>
-            <a:r>
-              <a:rPr lang="zh-TW" altLang="en-US" dirty="0"/>
-              <a:t>，到</a:t>
-            </a:r>
-            <a:r>
-              <a:rPr lang="en-US" altLang="zh-TW" dirty="0"/>
-              <a:t>orders</a:t>
-            </a:r>
-            <a:r>
-              <a:rPr lang="zh-TW" altLang="en-US" dirty="0" smtClean="0"/>
-              <a:t>資料</a:t>
-            </a:r>
-            <a:endParaRPr lang="zh-TW" altLang="en-US" dirty="0"/>
-          </a:p>
-          <a:p>
-            <a:r>
-              <a:rPr lang="en-US" altLang="zh-TW" dirty="0"/>
-              <a:t>3.</a:t>
-            </a:r>
-            <a:r>
-              <a:rPr lang="zh-TW" altLang="en-US" dirty="0"/>
-              <a:t>進行查詢</a:t>
-            </a:r>
-          </a:p>
-          <a:p>
-            <a:r>
-              <a:rPr lang="en-US" altLang="zh-TW" dirty="0"/>
-              <a:t>4.</a:t>
-            </a:r>
-            <a:r>
-              <a:rPr lang="zh-TW" altLang="en-US" dirty="0"/>
-              <a:t>子查詢</a:t>
-            </a:r>
-          </a:p>
-          <a:p>
-            <a:pPr lvl="1"/>
-            <a:r>
-              <a:rPr lang="en-US" altLang="zh-TW" dirty="0"/>
-              <a:t>4.1select</a:t>
-            </a:r>
-            <a:r>
-              <a:rPr lang="zh-TW" altLang="en-US" dirty="0"/>
-              <a:t>子查詢</a:t>
-            </a:r>
-          </a:p>
-          <a:p>
-            <a:pPr lvl="1"/>
-            <a:r>
-              <a:rPr lang="en-US" altLang="zh-TW" dirty="0"/>
-              <a:t>4.2from</a:t>
-            </a:r>
-            <a:r>
-              <a:rPr lang="zh-TW" altLang="en-US" dirty="0"/>
-              <a:t>子查詢</a:t>
-            </a:r>
-          </a:p>
-          <a:p>
-            <a:r>
-              <a:rPr lang="en-US" altLang="zh-TW" dirty="0"/>
-              <a:t>5.inner join</a:t>
-            </a:r>
-          </a:p>
-          <a:p>
-            <a:r>
-              <a:rPr lang="en-US" altLang="zh-TW" dirty="0"/>
-              <a:t>6.left join</a:t>
+              <a:t>各職位有幾人</a:t>
             </a:r>
             <a:endParaRPr lang="zh-TW" altLang="en-US" dirty="0"/>
           </a:p>
